--- a/03_All_Parameter_Analysis_DataFlowDiagram.pptx
+++ b/03_All_Parameter_Analysis_DataFlowDiagram.pptx
@@ -192,7 +192,8 @@
           <a:p>
             <a:fld id="{FF49D625-2878-4E69-ADC8-E5C4C82ED8DA}" type="datetimeFigureOut">
               <a:rPr lang="en-US" smtClean="0"/>
-              <a:t>2/10/2014</a:t>
+              <a:pPr/>
+              <a:t>2/13/2014</a:t>
             </a:fld>
             <a:endParaRPr lang="en-US"/>
           </a:p>
@@ -353,6 +354,7 @@
           <a:p>
             <a:fld id="{5A321E04-9E7E-4E02-A31A-F4D61614B0DE}" type="slidenum">
               <a:rPr lang="en-US" smtClean="0"/>
+              <a:pPr/>
               <a:t>‹#›</a:t>
             </a:fld>
             <a:endParaRPr lang="en-US"/>
@@ -524,6 +526,7 @@
           <a:p>
             <a:fld id="{5A321E04-9E7E-4E02-A31A-F4D61614B0DE}" type="slidenum">
               <a:rPr lang="en-US" smtClean="0"/>
+              <a:pPr/>
               <a:t>1</a:t>
             </a:fld>
             <a:endParaRPr lang="en-US"/>
@@ -719,7 +722,8 @@
           <a:p>
             <a:fld id="{E5A8B3FC-C612-448D-904A-F6AD773B54F6}" type="datetimeFigureOut">
               <a:rPr lang="en-US" smtClean="0"/>
-              <a:t>2/10/2014</a:t>
+              <a:pPr/>
+              <a:t>2/13/2014</a:t>
             </a:fld>
             <a:endParaRPr lang="en-US"/>
           </a:p>
@@ -761,6 +765,7 @@
           <a:p>
             <a:fld id="{668CFFE1-9A75-4281-B206-DA84F7FC79C8}" type="slidenum">
               <a:rPr lang="en-US" smtClean="0"/>
+              <a:pPr/>
               <a:t>‹#›</a:t>
             </a:fld>
             <a:endParaRPr lang="en-US"/>
@@ -884,7 +889,8 @@
           <a:p>
             <a:fld id="{E5A8B3FC-C612-448D-904A-F6AD773B54F6}" type="datetimeFigureOut">
               <a:rPr lang="en-US" smtClean="0"/>
-              <a:t>2/10/2014</a:t>
+              <a:pPr/>
+              <a:t>2/13/2014</a:t>
             </a:fld>
             <a:endParaRPr lang="en-US"/>
           </a:p>
@@ -926,6 +932,7 @@
           <a:p>
             <a:fld id="{668CFFE1-9A75-4281-B206-DA84F7FC79C8}" type="slidenum">
               <a:rPr lang="en-US" smtClean="0"/>
+              <a:pPr/>
               <a:t>‹#›</a:t>
             </a:fld>
             <a:endParaRPr lang="en-US"/>
@@ -1059,7 +1066,8 @@
           <a:p>
             <a:fld id="{E5A8B3FC-C612-448D-904A-F6AD773B54F6}" type="datetimeFigureOut">
               <a:rPr lang="en-US" smtClean="0"/>
-              <a:t>2/10/2014</a:t>
+              <a:pPr/>
+              <a:t>2/13/2014</a:t>
             </a:fld>
             <a:endParaRPr lang="en-US"/>
           </a:p>
@@ -1101,6 +1109,7 @@
           <a:p>
             <a:fld id="{668CFFE1-9A75-4281-B206-DA84F7FC79C8}" type="slidenum">
               <a:rPr lang="en-US" smtClean="0"/>
+              <a:pPr/>
               <a:t>‹#›</a:t>
             </a:fld>
             <a:endParaRPr lang="en-US"/>
@@ -1224,7 +1233,8 @@
           <a:p>
             <a:fld id="{E5A8B3FC-C612-448D-904A-F6AD773B54F6}" type="datetimeFigureOut">
               <a:rPr lang="en-US" smtClean="0"/>
-              <a:t>2/10/2014</a:t>
+              <a:pPr/>
+              <a:t>2/13/2014</a:t>
             </a:fld>
             <a:endParaRPr lang="en-US"/>
           </a:p>
@@ -1266,6 +1276,7 @@
           <a:p>
             <a:fld id="{668CFFE1-9A75-4281-B206-DA84F7FC79C8}" type="slidenum">
               <a:rPr lang="en-US" smtClean="0"/>
+              <a:pPr/>
               <a:t>‹#›</a:t>
             </a:fld>
             <a:endParaRPr lang="en-US"/>
@@ -1465,7 +1476,8 @@
           <a:p>
             <a:fld id="{E5A8B3FC-C612-448D-904A-F6AD773B54F6}" type="datetimeFigureOut">
               <a:rPr lang="en-US" smtClean="0"/>
-              <a:t>2/10/2014</a:t>
+              <a:pPr/>
+              <a:t>2/13/2014</a:t>
             </a:fld>
             <a:endParaRPr lang="en-US"/>
           </a:p>
@@ -1507,6 +1519,7 @@
           <a:p>
             <a:fld id="{668CFFE1-9A75-4281-B206-DA84F7FC79C8}" type="slidenum">
               <a:rPr lang="en-US" smtClean="0"/>
+              <a:pPr/>
               <a:t>‹#›</a:t>
             </a:fld>
             <a:endParaRPr lang="en-US"/>
@@ -1748,7 +1761,8 @@
           <a:p>
             <a:fld id="{E5A8B3FC-C612-448D-904A-F6AD773B54F6}" type="datetimeFigureOut">
               <a:rPr lang="en-US" smtClean="0"/>
-              <a:t>2/10/2014</a:t>
+              <a:pPr/>
+              <a:t>2/13/2014</a:t>
             </a:fld>
             <a:endParaRPr lang="en-US"/>
           </a:p>
@@ -1790,6 +1804,7 @@
           <a:p>
             <a:fld id="{668CFFE1-9A75-4281-B206-DA84F7FC79C8}" type="slidenum">
               <a:rPr lang="en-US" smtClean="0"/>
+              <a:pPr/>
               <a:t>‹#›</a:t>
             </a:fld>
             <a:endParaRPr lang="en-US"/>
@@ -2165,7 +2180,8 @@
           <a:p>
             <a:fld id="{E5A8B3FC-C612-448D-904A-F6AD773B54F6}" type="datetimeFigureOut">
               <a:rPr lang="en-US" smtClean="0"/>
-              <a:t>2/10/2014</a:t>
+              <a:pPr/>
+              <a:t>2/13/2014</a:t>
             </a:fld>
             <a:endParaRPr lang="en-US"/>
           </a:p>
@@ -2207,6 +2223,7 @@
           <a:p>
             <a:fld id="{668CFFE1-9A75-4281-B206-DA84F7FC79C8}" type="slidenum">
               <a:rPr lang="en-US" smtClean="0"/>
+              <a:pPr/>
               <a:t>‹#›</a:t>
             </a:fld>
             <a:endParaRPr lang="en-US"/>
@@ -2278,7 +2295,8 @@
           <a:p>
             <a:fld id="{E5A8B3FC-C612-448D-904A-F6AD773B54F6}" type="datetimeFigureOut">
               <a:rPr lang="en-US" smtClean="0"/>
-              <a:t>2/10/2014</a:t>
+              <a:pPr/>
+              <a:t>2/13/2014</a:t>
             </a:fld>
             <a:endParaRPr lang="en-US"/>
           </a:p>
@@ -2320,6 +2338,7 @@
           <a:p>
             <a:fld id="{668CFFE1-9A75-4281-B206-DA84F7FC79C8}" type="slidenum">
               <a:rPr lang="en-US" smtClean="0"/>
+              <a:pPr/>
               <a:t>‹#›</a:t>
             </a:fld>
             <a:endParaRPr lang="en-US"/>
@@ -2368,7 +2387,8 @@
           <a:p>
             <a:fld id="{E5A8B3FC-C612-448D-904A-F6AD773B54F6}" type="datetimeFigureOut">
               <a:rPr lang="en-US" smtClean="0"/>
-              <a:t>2/10/2014</a:t>
+              <a:pPr/>
+              <a:t>2/13/2014</a:t>
             </a:fld>
             <a:endParaRPr lang="en-US"/>
           </a:p>
@@ -2410,6 +2430,7 @@
           <a:p>
             <a:fld id="{668CFFE1-9A75-4281-B206-DA84F7FC79C8}" type="slidenum">
               <a:rPr lang="en-US" smtClean="0"/>
+              <a:pPr/>
               <a:t>‹#›</a:t>
             </a:fld>
             <a:endParaRPr lang="en-US"/>
@@ -2640,7 +2661,8 @@
           <a:p>
             <a:fld id="{E5A8B3FC-C612-448D-904A-F6AD773B54F6}" type="datetimeFigureOut">
               <a:rPr lang="en-US" smtClean="0"/>
-              <a:t>2/10/2014</a:t>
+              <a:pPr/>
+              <a:t>2/13/2014</a:t>
             </a:fld>
             <a:endParaRPr lang="en-US"/>
           </a:p>
@@ -2682,6 +2704,7 @@
           <a:p>
             <a:fld id="{668CFFE1-9A75-4281-B206-DA84F7FC79C8}" type="slidenum">
               <a:rPr lang="en-US" smtClean="0"/>
+              <a:pPr/>
               <a:t>‹#›</a:t>
             </a:fld>
             <a:endParaRPr lang="en-US"/>
@@ -2888,7 +2911,8 @@
           <a:p>
             <a:fld id="{E5A8B3FC-C612-448D-904A-F6AD773B54F6}" type="datetimeFigureOut">
               <a:rPr lang="en-US" smtClean="0"/>
-              <a:t>2/10/2014</a:t>
+              <a:pPr/>
+              <a:t>2/13/2014</a:t>
             </a:fld>
             <a:endParaRPr lang="en-US"/>
           </a:p>
@@ -2930,6 +2954,7 @@
           <a:p>
             <a:fld id="{668CFFE1-9A75-4281-B206-DA84F7FC79C8}" type="slidenum">
               <a:rPr lang="en-US" smtClean="0"/>
+              <a:pPr/>
               <a:t>‹#›</a:t>
             </a:fld>
             <a:endParaRPr lang="en-US"/>
@@ -3096,7 +3121,8 @@
           <a:p>
             <a:fld id="{E5A8B3FC-C612-448D-904A-F6AD773B54F6}" type="datetimeFigureOut">
               <a:rPr lang="en-US" smtClean="0"/>
-              <a:t>2/10/2014</a:t>
+              <a:pPr/>
+              <a:t>2/13/2014</a:t>
             </a:fld>
             <a:endParaRPr lang="en-US"/>
           </a:p>
@@ -3174,6 +3200,7 @@
           <a:p>
             <a:fld id="{668CFFE1-9A75-4281-B206-DA84F7FC79C8}" type="slidenum">
               <a:rPr lang="en-US" smtClean="0"/>
+              <a:pPr/>
               <a:t>‹#›</a:t>
             </a:fld>
             <a:endParaRPr lang="en-US"/>
@@ -4884,6 +4911,206 @@
           </a:p>
         </p:txBody>
       </p:sp>
+      <p:sp>
+        <p:nvSpPr>
+          <p:cNvPr id="35" name="Rectangle 34"/>
+          <p:cNvSpPr/>
+          <p:nvPr/>
+        </p:nvSpPr>
+        <p:spPr>
+          <a:xfrm>
+            <a:off x="6858000" y="1828800"/>
+            <a:ext cx="1600200" cy="990600"/>
+          </a:xfrm>
+          <a:prstGeom prst="rect">
+            <a:avLst/>
+          </a:prstGeom>
+          <a:solidFill>
+            <a:schemeClr val="bg1"/>
+          </a:solidFill>
+          <a:ln>
+            <a:solidFill>
+              <a:srgbClr val="92D050"/>
+            </a:solidFill>
+            <a:prstDash val="sysDash"/>
+          </a:ln>
+        </p:spPr>
+        <p:style>
+          <a:lnRef idx="2">
+            <a:schemeClr val="accent1">
+              <a:shade val="50000"/>
+            </a:schemeClr>
+          </a:lnRef>
+          <a:fillRef idx="1">
+            <a:schemeClr val="accent1"/>
+          </a:fillRef>
+          <a:effectRef idx="0">
+            <a:schemeClr val="accent1"/>
+          </a:effectRef>
+          <a:fontRef idx="minor">
+            <a:schemeClr val="lt1"/>
+          </a:fontRef>
+        </p:style>
+        <p:txBody>
+          <a:bodyPr rtlCol="0" anchor="ctr"/>
+          <a:lstStyle/>
+          <a:p>
+            <a:pPr algn="ctr"/>
+            <a:r>
+              <a:rPr lang="en-US" dirty="0" smtClean="0">
+                <a:solidFill>
+                  <a:schemeClr val="tx1"/>
+                </a:solidFill>
+              </a:rPr>
+              <a:t>Saltwater calculations</a:t>
+            </a:r>
+            <a:endParaRPr lang="en-US" dirty="0">
+              <a:solidFill>
+                <a:schemeClr val="tx1"/>
+              </a:solidFill>
+            </a:endParaRPr>
+          </a:p>
+        </p:txBody>
+      </p:sp>
+      <p:sp>
+        <p:nvSpPr>
+          <p:cNvPr id="36" name="Oval 35"/>
+          <p:cNvSpPr/>
+          <p:nvPr/>
+        </p:nvSpPr>
+        <p:spPr>
+          <a:xfrm>
+            <a:off x="7239000" y="838200"/>
+            <a:ext cx="1676400" cy="762000"/>
+          </a:xfrm>
+          <a:prstGeom prst="ellipse">
+            <a:avLst/>
+          </a:prstGeom>
+          <a:solidFill>
+            <a:schemeClr val="bg1"/>
+          </a:solidFill>
+          <a:ln>
+            <a:solidFill>
+              <a:srgbClr val="92D050"/>
+            </a:solidFill>
+            <a:prstDash val="sysDash"/>
+          </a:ln>
+        </p:spPr>
+        <p:style>
+          <a:lnRef idx="2">
+            <a:schemeClr val="accent1">
+              <a:shade val="50000"/>
+            </a:schemeClr>
+          </a:lnRef>
+          <a:fillRef idx="1">
+            <a:schemeClr val="accent1"/>
+          </a:fillRef>
+          <a:effectRef idx="0">
+            <a:schemeClr val="accent1"/>
+          </a:effectRef>
+          <a:fontRef idx="minor">
+            <a:schemeClr val="lt1"/>
+          </a:fontRef>
+        </p:style>
+        <p:txBody>
+          <a:bodyPr rtlCol="0" anchor="ctr"/>
+          <a:lstStyle/>
+          <a:p>
+            <a:pPr algn="ctr"/>
+            <a:r>
+              <a:rPr lang="en-US" dirty="0" smtClean="0">
+                <a:solidFill>
+                  <a:schemeClr val="tx1"/>
+                </a:solidFill>
+              </a:rPr>
+              <a:t>Saltwater criteria</a:t>
+            </a:r>
+            <a:endParaRPr lang="en-US" dirty="0">
+              <a:solidFill>
+                <a:schemeClr val="tx1"/>
+              </a:solidFill>
+            </a:endParaRPr>
+          </a:p>
+        </p:txBody>
+      </p:sp>
+      <p:cxnSp>
+        <p:nvCxnSpPr>
+          <p:cNvPr id="38" name="Straight Arrow Connector 37"/>
+          <p:cNvCxnSpPr>
+            <a:stCxn id="36" idx="4"/>
+            <a:endCxn id="35" idx="0"/>
+          </p:cNvCxnSpPr>
+          <p:nvPr/>
+        </p:nvCxnSpPr>
+        <p:spPr>
+          <a:xfrm flipH="1">
+            <a:off x="7658100" y="1600200"/>
+            <a:ext cx="419100" cy="228600"/>
+          </a:xfrm>
+          <a:prstGeom prst="straightConnector1">
+            <a:avLst/>
+          </a:prstGeom>
+          <a:ln>
+            <a:solidFill>
+              <a:srgbClr val="92D050"/>
+            </a:solidFill>
+            <a:tailEnd type="arrow"/>
+          </a:ln>
+        </p:spPr>
+        <p:style>
+          <a:lnRef idx="1">
+            <a:schemeClr val="accent1"/>
+          </a:lnRef>
+          <a:fillRef idx="0">
+            <a:schemeClr val="accent1"/>
+          </a:fillRef>
+          <a:effectRef idx="0">
+            <a:schemeClr val="accent1"/>
+          </a:effectRef>
+          <a:fontRef idx="minor">
+            <a:schemeClr val="tx1"/>
+          </a:fontRef>
+        </p:style>
+      </p:cxnSp>
+      <p:cxnSp>
+        <p:nvCxnSpPr>
+          <p:cNvPr id="41" name="Straight Arrow Connector 40"/>
+          <p:cNvCxnSpPr>
+            <a:stCxn id="35" idx="1"/>
+            <a:endCxn id="43" idx="7"/>
+          </p:cNvCxnSpPr>
+          <p:nvPr/>
+        </p:nvCxnSpPr>
+        <p:spPr>
+          <a:xfrm flipH="1">
+            <a:off x="4575501" y="2324100"/>
+            <a:ext cx="2282499" cy="772366"/>
+          </a:xfrm>
+          <a:prstGeom prst="straightConnector1">
+            <a:avLst/>
+          </a:prstGeom>
+          <a:ln>
+            <a:solidFill>
+              <a:srgbClr val="92D050"/>
+            </a:solidFill>
+            <a:tailEnd type="arrow"/>
+          </a:ln>
+        </p:spPr>
+        <p:style>
+          <a:lnRef idx="1">
+            <a:schemeClr val="accent1"/>
+          </a:lnRef>
+          <a:fillRef idx="0">
+            <a:schemeClr val="accent1"/>
+          </a:fillRef>
+          <a:effectRef idx="0">
+            <a:schemeClr val="accent1"/>
+          </a:effectRef>
+          <a:fontRef idx="minor">
+            <a:schemeClr val="tx1"/>
+          </a:fontRef>
+        </p:style>
+      </p:cxnSp>
     </p:spTree>
   </p:cSld>
   <p:clrMapOvr>

--- a/03_All_Parameter_Analysis_DataFlowDiagram.pptx
+++ b/03_All_Parameter_Analysis_DataFlowDiagram.pptx
@@ -193,7 +193,7 @@
             <a:fld id="{FF49D625-2878-4E69-ADC8-E5C4C82ED8DA}" type="datetimeFigureOut">
               <a:rPr lang="en-US" smtClean="0"/>
               <a:pPr/>
-              <a:t>2/13/2014</a:t>
+              <a:t>2/27/2014</a:t>
             </a:fld>
             <a:endParaRPr lang="en-US"/>
           </a:p>
@@ -723,7 +723,7 @@
             <a:fld id="{E5A8B3FC-C612-448D-904A-F6AD773B54F6}" type="datetimeFigureOut">
               <a:rPr lang="en-US" smtClean="0"/>
               <a:pPr/>
-              <a:t>2/13/2014</a:t>
+              <a:t>2/27/2014</a:t>
             </a:fld>
             <a:endParaRPr lang="en-US"/>
           </a:p>
@@ -890,7 +890,7 @@
             <a:fld id="{E5A8B3FC-C612-448D-904A-F6AD773B54F6}" type="datetimeFigureOut">
               <a:rPr lang="en-US" smtClean="0"/>
               <a:pPr/>
-              <a:t>2/13/2014</a:t>
+              <a:t>2/27/2014</a:t>
             </a:fld>
             <a:endParaRPr lang="en-US"/>
           </a:p>
@@ -1067,7 +1067,7 @@
             <a:fld id="{E5A8B3FC-C612-448D-904A-F6AD773B54F6}" type="datetimeFigureOut">
               <a:rPr lang="en-US" smtClean="0"/>
               <a:pPr/>
-              <a:t>2/13/2014</a:t>
+              <a:t>2/27/2014</a:t>
             </a:fld>
             <a:endParaRPr lang="en-US"/>
           </a:p>
@@ -1234,7 +1234,7 @@
             <a:fld id="{E5A8B3FC-C612-448D-904A-F6AD773B54F6}" type="datetimeFigureOut">
               <a:rPr lang="en-US" smtClean="0"/>
               <a:pPr/>
-              <a:t>2/13/2014</a:t>
+              <a:t>2/27/2014</a:t>
             </a:fld>
             <a:endParaRPr lang="en-US"/>
           </a:p>
@@ -1477,7 +1477,7 @@
             <a:fld id="{E5A8B3FC-C612-448D-904A-F6AD773B54F6}" type="datetimeFigureOut">
               <a:rPr lang="en-US" smtClean="0"/>
               <a:pPr/>
-              <a:t>2/13/2014</a:t>
+              <a:t>2/27/2014</a:t>
             </a:fld>
             <a:endParaRPr lang="en-US"/>
           </a:p>
@@ -1762,7 +1762,7 @@
             <a:fld id="{E5A8B3FC-C612-448D-904A-F6AD773B54F6}" type="datetimeFigureOut">
               <a:rPr lang="en-US" smtClean="0"/>
               <a:pPr/>
-              <a:t>2/13/2014</a:t>
+              <a:t>2/27/2014</a:t>
             </a:fld>
             <a:endParaRPr lang="en-US"/>
           </a:p>
@@ -2181,7 +2181,7 @@
             <a:fld id="{E5A8B3FC-C612-448D-904A-F6AD773B54F6}" type="datetimeFigureOut">
               <a:rPr lang="en-US" smtClean="0"/>
               <a:pPr/>
-              <a:t>2/13/2014</a:t>
+              <a:t>2/27/2014</a:t>
             </a:fld>
             <a:endParaRPr lang="en-US"/>
           </a:p>
@@ -2296,7 +2296,7 @@
             <a:fld id="{E5A8B3FC-C612-448D-904A-F6AD773B54F6}" type="datetimeFigureOut">
               <a:rPr lang="en-US" smtClean="0"/>
               <a:pPr/>
-              <a:t>2/13/2014</a:t>
+              <a:t>2/27/2014</a:t>
             </a:fld>
             <a:endParaRPr lang="en-US"/>
           </a:p>
@@ -2388,7 +2388,7 @@
             <a:fld id="{E5A8B3FC-C612-448D-904A-F6AD773B54F6}" type="datetimeFigureOut">
               <a:rPr lang="en-US" smtClean="0"/>
               <a:pPr/>
-              <a:t>2/13/2014</a:t>
+              <a:t>2/27/2014</a:t>
             </a:fld>
             <a:endParaRPr lang="en-US"/>
           </a:p>
@@ -2662,7 +2662,7 @@
             <a:fld id="{E5A8B3FC-C612-448D-904A-F6AD773B54F6}" type="datetimeFigureOut">
               <a:rPr lang="en-US" smtClean="0"/>
               <a:pPr/>
-              <a:t>2/13/2014</a:t>
+              <a:t>2/27/2014</a:t>
             </a:fld>
             <a:endParaRPr lang="en-US"/>
           </a:p>
@@ -2912,7 +2912,7 @@
             <a:fld id="{E5A8B3FC-C612-448D-904A-F6AD773B54F6}" type="datetimeFigureOut">
               <a:rPr lang="en-US" smtClean="0"/>
               <a:pPr/>
-              <a:t>2/13/2014</a:t>
+              <a:t>2/27/2014</a:t>
             </a:fld>
             <a:endParaRPr lang="en-US"/>
           </a:p>
@@ -3122,7 +3122,7 @@
             <a:fld id="{E5A8B3FC-C612-448D-904A-F6AD773B54F6}" type="datetimeFigureOut">
               <a:rPr lang="en-US" smtClean="0"/>
               <a:pPr/>
-              <a:t>2/13/2014</a:t>
+              <a:t>2/27/2014</a:t>
             </a:fld>
             <a:endParaRPr lang="en-US"/>
           </a:p>
@@ -3501,8 +3501,8 @@
         </p:nvSpPr>
         <p:spPr>
           <a:xfrm>
-            <a:off x="3733800" y="533400"/>
-            <a:ext cx="1447800" cy="914400"/>
+            <a:off x="1981200" y="457200"/>
+            <a:ext cx="838200" cy="609600"/>
           </a:xfrm>
           <a:prstGeom prst="ellipse">
             <a:avLst/>
@@ -3531,14 +3531,14 @@
           <a:p>
             <a:pPr algn="ctr"/>
             <a:r>
-              <a:rPr lang="en-US" dirty="0" smtClean="0">
+              <a:rPr lang="en-US" sz="1000" dirty="0" smtClean="0">
                 <a:solidFill>
                   <a:schemeClr val="tx1"/>
                 </a:solidFill>
               </a:rPr>
               <a:t>Data without Void</a:t>
             </a:r>
-            <a:endParaRPr lang="en-US" dirty="0">
+            <a:endParaRPr lang="en-US" sz="1000" dirty="0">
               <a:solidFill>
                 <a:schemeClr val="tx1"/>
               </a:solidFill>
@@ -3584,14 +3584,14 @@
           <a:p>
             <a:pPr algn="ctr"/>
             <a:r>
-              <a:rPr lang="en-US" dirty="0" smtClean="0">
+              <a:rPr lang="en-US" sz="1000" dirty="0" smtClean="0">
                 <a:solidFill>
                   <a:schemeClr val="tx1"/>
                 </a:solidFill>
               </a:rPr>
               <a:t>Data with Criteria</a:t>
             </a:r>
-            <a:endParaRPr lang="en-US" dirty="0">
+            <a:endParaRPr lang="en-US" sz="1000" dirty="0">
               <a:solidFill>
                 <a:schemeClr val="tx1"/>
               </a:solidFill>
@@ -3637,14 +3637,14 @@
           <a:p>
             <a:pPr algn="ctr"/>
             <a:r>
-              <a:rPr lang="en-US" dirty="0" smtClean="0">
+              <a:rPr lang="en-US" sz="1000" dirty="0" smtClean="0">
                 <a:solidFill>
                   <a:schemeClr val="tx1"/>
                 </a:solidFill>
               </a:rPr>
               <a:t>Criteria</a:t>
             </a:r>
-            <a:endParaRPr lang="en-US" dirty="0">
+            <a:endParaRPr lang="en-US" sz="1000" dirty="0">
               <a:solidFill>
                 <a:schemeClr val="tx1"/>
               </a:solidFill>
@@ -3660,8 +3660,8 @@
         </p:nvSpPr>
         <p:spPr>
           <a:xfrm>
-            <a:off x="609600" y="1524000"/>
-            <a:ext cx="1219200" cy="762000"/>
+            <a:off x="152400" y="914400"/>
+            <a:ext cx="858253" cy="533400"/>
           </a:xfrm>
           <a:prstGeom prst="ellipse">
             <a:avLst/>
@@ -3690,14 +3690,14 @@
           <a:p>
             <a:pPr algn="ctr"/>
             <a:r>
-              <a:rPr lang="en-US" dirty="0" smtClean="0">
+              <a:rPr lang="en-US" sz="1000" dirty="0" smtClean="0">
                 <a:solidFill>
                   <a:schemeClr val="tx1"/>
                 </a:solidFill>
               </a:rPr>
               <a:t>Name match</a:t>
             </a:r>
-            <a:endParaRPr lang="en-US" dirty="0">
+            <a:endParaRPr lang="en-US" sz="1000" dirty="0">
               <a:solidFill>
                 <a:schemeClr val="tx1"/>
               </a:solidFill>
@@ -3713,8 +3713,8 @@
         </p:nvSpPr>
         <p:spPr>
           <a:xfrm>
-            <a:off x="457200" y="381000"/>
-            <a:ext cx="1447800" cy="914400"/>
+            <a:off x="152400" y="152400"/>
+            <a:ext cx="838200" cy="609600"/>
           </a:xfrm>
           <a:prstGeom prst="ellipse">
             <a:avLst/>
@@ -3743,14 +3743,14 @@
           <a:p>
             <a:pPr algn="ctr"/>
             <a:r>
-              <a:rPr lang="en-US" dirty="0" smtClean="0">
+              <a:rPr lang="en-US" sz="1000" dirty="0" smtClean="0">
                 <a:solidFill>
                   <a:schemeClr val="tx1"/>
                 </a:solidFill>
               </a:rPr>
               <a:t>Data without Void</a:t>
             </a:r>
-            <a:endParaRPr lang="en-US" dirty="0">
+            <a:endParaRPr lang="en-US" sz="1000" dirty="0">
               <a:solidFill>
                 <a:schemeClr val="tx1"/>
               </a:solidFill>
@@ -3762,15 +3762,15 @@
         <p:nvCxnSpPr>
           <p:cNvPr id="11" name="Straight Arrow Connector 10"/>
           <p:cNvCxnSpPr>
-            <a:stCxn id="4" idx="4"/>
+            <a:stCxn id="68" idx="5"/>
             <a:endCxn id="12" idx="0"/>
           </p:cNvCxnSpPr>
           <p:nvPr/>
         </p:nvCxnSpPr>
         <p:spPr>
           <a:xfrm>
-            <a:off x="4457700" y="1447800"/>
-            <a:ext cx="800100" cy="228600"/>
+            <a:off x="4982648" y="1129926"/>
+            <a:ext cx="275152" cy="546474"/>
           </a:xfrm>
           <a:prstGeom prst="straightConnector1">
             <a:avLst/>
@@ -3829,10 +3829,10 @@
           <a:p>
             <a:pPr algn="ctr"/>
             <a:r>
-              <a:rPr lang="en-US" dirty="0" smtClean="0"/>
+              <a:rPr lang="en-US" sz="1000" dirty="0" smtClean="0"/>
               <a:t>Combine</a:t>
             </a:r>
-            <a:endParaRPr lang="en-US" dirty="0"/>
+            <a:endParaRPr lang="en-US" sz="1000" dirty="0"/>
           </a:p>
         </p:txBody>
       </p:sp>
@@ -3840,15 +3840,15 @@
         <p:nvCxnSpPr>
           <p:cNvPr id="15" name="Straight Arrow Connector 14"/>
           <p:cNvCxnSpPr>
-            <a:stCxn id="6" idx="4"/>
+            <a:stCxn id="6" idx="3"/>
             <a:endCxn id="12" idx="0"/>
           </p:cNvCxnSpPr>
           <p:nvPr/>
         </p:nvCxnSpPr>
         <p:spPr>
           <a:xfrm flipH="1">
-            <a:off x="5257800" y="1371600"/>
-            <a:ext cx="914400" cy="304800"/>
+            <a:off x="5257800" y="1248849"/>
+            <a:ext cx="429466" cy="427551"/>
           </a:xfrm>
           <a:prstGeom prst="straightConnector1">
             <a:avLst/>
@@ -3883,8 +3883,8 @@
         </p:nvCxnSpPr>
         <p:spPr>
           <a:xfrm>
-            <a:off x="1692974" y="1161489"/>
-            <a:ext cx="593026" cy="57711"/>
+            <a:off x="867848" y="672726"/>
+            <a:ext cx="275152" cy="114674"/>
           </a:xfrm>
           <a:prstGeom prst="straightConnector1">
             <a:avLst/>
@@ -3916,8 +3916,8 @@
         </p:nvSpPr>
         <p:spPr>
           <a:xfrm>
-            <a:off x="2286000" y="838200"/>
-            <a:ext cx="1066800" cy="762000"/>
+            <a:off x="1143000" y="533400"/>
+            <a:ext cx="617621" cy="508000"/>
           </a:xfrm>
           <a:prstGeom prst="rect">
             <a:avLst/>
@@ -3943,10 +3943,10 @@
           <a:p>
             <a:pPr algn="ctr"/>
             <a:r>
-              <a:rPr lang="en-US" dirty="0" smtClean="0"/>
+              <a:rPr lang="en-US" sz="1000" dirty="0" smtClean="0"/>
               <a:t>Rename</a:t>
             </a:r>
-            <a:endParaRPr lang="en-US" dirty="0"/>
+            <a:endParaRPr lang="en-US" sz="1000" dirty="0"/>
           </a:p>
         </p:txBody>
       </p:sp>
@@ -3961,8 +3961,8 @@
         </p:nvCxnSpPr>
         <p:spPr>
           <a:xfrm flipV="1">
-            <a:off x="1828800" y="1219200"/>
-            <a:ext cx="457200" cy="685800"/>
+            <a:off x="1010653" y="787400"/>
+            <a:ext cx="132347" cy="393700"/>
           </a:xfrm>
           <a:prstGeom prst="straightConnector1">
             <a:avLst/>
@@ -3997,8 +3997,8 @@
         </p:nvCxnSpPr>
         <p:spPr>
           <a:xfrm flipV="1">
-            <a:off x="3352800" y="990600"/>
-            <a:ext cx="381000" cy="228600"/>
+            <a:off x="1760621" y="762000"/>
+            <a:ext cx="220579" cy="25400"/>
           </a:xfrm>
           <a:prstGeom prst="straightConnector1">
             <a:avLst/>
@@ -4093,10 +4093,10 @@
           <a:p>
             <a:pPr algn="ctr"/>
             <a:r>
-              <a:rPr lang="en-US" dirty="0" smtClean="0"/>
-              <a:t>Hardness Calculation</a:t>
-            </a:r>
-            <a:endParaRPr lang="en-US" dirty="0"/>
+              <a:rPr lang="en-US" sz="1000" dirty="0" smtClean="0"/>
+              <a:t>Condition Specific Criteria Calculations</a:t>
+            </a:r>
+            <a:endParaRPr lang="en-US" sz="1000" dirty="0"/>
           </a:p>
         </p:txBody>
       </p:sp>
@@ -4104,15 +4104,15 @@
         <p:nvCxnSpPr>
           <p:cNvPr id="40" name="Straight Arrow Connector 39"/>
           <p:cNvCxnSpPr>
-            <a:stCxn id="5" idx="2"/>
+            <a:stCxn id="5" idx="3"/>
             <a:endCxn id="31" idx="0"/>
           </p:cNvCxnSpPr>
           <p:nvPr/>
         </p:nvCxnSpPr>
         <p:spPr>
           <a:xfrm flipH="1">
-            <a:off x="1905000" y="2247900"/>
-            <a:ext cx="838200" cy="876300"/>
+            <a:off x="1905000" y="2598130"/>
+            <a:ext cx="1061385" cy="526070"/>
           </a:xfrm>
           <a:prstGeom prst="straightConnector1">
             <a:avLst/>
@@ -4144,8 +4144,8 @@
         </p:nvSpPr>
         <p:spPr>
           <a:xfrm>
-            <a:off x="2819400" y="2895600"/>
-            <a:ext cx="2057400" cy="1371600"/>
+            <a:off x="3048000" y="3124200"/>
+            <a:ext cx="1600200" cy="914400"/>
           </a:xfrm>
           <a:prstGeom prst="ellipse">
             <a:avLst/>
@@ -4174,15 +4174,31 @@
           <a:p>
             <a:pPr algn="ctr"/>
             <a:r>
-              <a:rPr lang="en-US" dirty="0" smtClean="0">
+              <a:rPr lang="en-US" sz="1000" dirty="0" smtClean="0">
                 <a:solidFill>
                   <a:schemeClr val="tx1"/>
                 </a:solidFill>
               </a:rPr>
-              <a:t>Data with Criteria (</a:t>
-            </a:r>
-            <a:r>
-              <a:rPr lang="en-US" dirty="0" err="1" smtClean="0">
+              <a:t>Data with Criteria </a:t>
+            </a:r>
+            <a:endParaRPr lang="en-US" sz="1000" dirty="0" smtClean="0">
+              <a:solidFill>
+                <a:schemeClr val="tx1"/>
+              </a:solidFill>
+            </a:endParaRPr>
+          </a:p>
+          <a:p>
+            <a:pPr algn="ctr"/>
+            <a:r>
+              <a:rPr lang="en-US" sz="1000" dirty="0" smtClean="0">
+                <a:solidFill>
+                  <a:schemeClr val="tx1"/>
+                </a:solidFill>
+              </a:rPr>
+              <a:t>(</a:t>
+            </a:r>
+            <a:r>
+              <a:rPr lang="en-US" sz="1000" dirty="0" err="1" smtClean="0">
                 <a:solidFill>
                   <a:schemeClr val="tx1"/>
                 </a:solidFill>
@@ -4190,7 +4206,7 @@
               <a:t>incl</a:t>
             </a:r>
             <a:r>
-              <a:rPr lang="en-US" dirty="0" smtClean="0">
+              <a:rPr lang="en-US" sz="1000" dirty="0" smtClean="0">
                 <a:solidFill>
                   <a:schemeClr val="tx1"/>
                 </a:solidFill>
@@ -4198,22 +4214,14 @@
               <a:t> </a:t>
             </a:r>
             <a:r>
-              <a:rPr lang="en-US" dirty="0" err="1" smtClean="0">
+              <a:rPr lang="en-US" sz="1000" dirty="0" smtClean="0">
                 <a:solidFill>
                   <a:schemeClr val="tx1"/>
                 </a:solidFill>
               </a:rPr>
-              <a:t>harndess</a:t>
-            </a:r>
-            <a:r>
-              <a:rPr lang="en-US" dirty="0" smtClean="0">
-                <a:solidFill>
-                  <a:schemeClr val="tx1"/>
-                </a:solidFill>
-              </a:rPr>
-              <a:t>)</a:t>
-            </a:r>
-            <a:endParaRPr lang="en-US" dirty="0">
+              <a:t>condition specific criteria)</a:t>
+            </a:r>
+            <a:endParaRPr lang="en-US" sz="1000" dirty="0">
               <a:solidFill>
                 <a:schemeClr val="tx1"/>
               </a:solidFill>
@@ -4233,7 +4241,7 @@
         <p:spPr>
           <a:xfrm>
             <a:off x="2514600" y="3581400"/>
-            <a:ext cx="304800" cy="0"/>
+            <a:ext cx="533400" cy="0"/>
           </a:xfrm>
           <a:prstGeom prst="straightConnector1">
             <a:avLst/>
@@ -4292,10 +4300,10 @@
           <a:p>
             <a:pPr algn="ctr"/>
             <a:r>
-              <a:rPr lang="en-US" dirty="0" smtClean="0"/>
+              <a:rPr lang="en-US" sz="1000" dirty="0" smtClean="0"/>
               <a:t>Comparison Calculations</a:t>
             </a:r>
-            <a:endParaRPr lang="en-US" dirty="0"/>
+            <a:endParaRPr lang="en-US" sz="1000" dirty="0"/>
           </a:p>
         </p:txBody>
       </p:sp>
@@ -4310,8 +4318,8 @@
         </p:nvCxnSpPr>
         <p:spPr>
           <a:xfrm>
-            <a:off x="4876800" y="3581400"/>
-            <a:ext cx="304800" cy="0"/>
+            <a:off x="4648200" y="3581400"/>
+            <a:ext cx="533400" cy="0"/>
           </a:xfrm>
           <a:prstGeom prst="straightConnector1">
             <a:avLst/>
@@ -4373,14 +4381,14 @@
           <a:p>
             <a:pPr algn="ctr"/>
             <a:r>
-              <a:rPr lang="en-US" dirty="0" smtClean="0">
+              <a:rPr lang="en-US" sz="1000" dirty="0" smtClean="0">
                 <a:solidFill>
                   <a:schemeClr val="tx1"/>
                 </a:solidFill>
               </a:rPr>
               <a:t>Data Evaluated</a:t>
             </a:r>
-            <a:endParaRPr lang="en-US" dirty="0">
+            <a:endParaRPr lang="en-US" sz="1000" dirty="0">
               <a:solidFill>
                 <a:schemeClr val="tx1"/>
               </a:solidFill>
@@ -4459,17 +4467,17 @@
           <a:p>
             <a:pPr algn="ctr"/>
             <a:r>
-              <a:rPr lang="en-US" dirty="0" smtClean="0"/>
+              <a:rPr lang="en-US" sz="1000" dirty="0" smtClean="0"/>
               <a:t>Cast</a:t>
             </a:r>
           </a:p>
           <a:p>
             <a:pPr algn="ctr"/>
             <a:r>
-              <a:rPr lang="en-US" dirty="0" smtClean="0"/>
+              <a:rPr lang="en-US" sz="1000" dirty="0" smtClean="0"/>
               <a:t> (Make Wide)</a:t>
             </a:r>
-            <a:endParaRPr lang="en-US" dirty="0"/>
+            <a:endParaRPr lang="en-US" sz="1000" dirty="0"/>
           </a:p>
         </p:txBody>
       </p:sp>
@@ -4547,14 +4555,14 @@
           <a:p>
             <a:pPr algn="ctr"/>
             <a:r>
-              <a:rPr lang="en-US" dirty="0" smtClean="0">
+              <a:rPr lang="en-US" sz="1000" dirty="0" smtClean="0">
                 <a:solidFill>
                   <a:schemeClr val="tx1"/>
                 </a:solidFill>
               </a:rPr>
               <a:t>Data Casted</a:t>
             </a:r>
-            <a:endParaRPr lang="en-US" dirty="0">
+            <a:endParaRPr lang="en-US" sz="1000" dirty="0">
               <a:solidFill>
                 <a:schemeClr val="tx1"/>
               </a:solidFill>
@@ -4609,8 +4617,8 @@
         </p:nvCxnSpPr>
         <p:spPr>
           <a:xfrm flipH="1">
-            <a:off x="5857722" y="5486400"/>
-            <a:ext cx="9678" cy="457200"/>
+            <a:off x="5565623" y="5486400"/>
+            <a:ext cx="301777" cy="457200"/>
           </a:xfrm>
           <a:prstGeom prst="straightConnector1">
             <a:avLst/>
@@ -4705,17 +4713,17 @@
           <a:p>
             <a:pPr algn="ctr"/>
             <a:r>
-              <a:rPr lang="en-US" dirty="0" smtClean="0"/>
+              <a:rPr lang="en-US" sz="1000" dirty="0" smtClean="0"/>
               <a:t>Roll Up </a:t>
             </a:r>
           </a:p>
           <a:p>
             <a:pPr algn="ctr"/>
             <a:r>
-              <a:rPr lang="en-US" dirty="0" smtClean="0"/>
+              <a:rPr lang="en-US" sz="1000" dirty="0" smtClean="0"/>
               <a:t>(Summarize)</a:t>
             </a:r>
-            <a:endParaRPr lang="en-US" dirty="0"/>
+            <a:endParaRPr lang="en-US" sz="1000" dirty="0"/>
           </a:p>
         </p:txBody>
       </p:sp>
@@ -4763,7 +4771,7 @@
         <p:spPr>
           <a:xfrm>
             <a:off x="5105400" y="5943600"/>
-            <a:ext cx="1504643" cy="369332"/>
+            <a:ext cx="920445" cy="246221"/>
           </a:xfrm>
           <a:prstGeom prst="rect">
             <a:avLst/>
@@ -4777,14 +4785,14 @@
           <a:lstStyle/>
           <a:p>
             <a:r>
-              <a:rPr lang="en-US" dirty="0" smtClean="0"/>
+              <a:rPr lang="en-US" sz="1000" dirty="0" smtClean="0"/>
               <a:t>Output to .</a:t>
             </a:r>
             <a:r>
-              <a:rPr lang="en-US" dirty="0" err="1" smtClean="0"/>
+              <a:rPr lang="en-US" sz="1000" dirty="0" err="1" smtClean="0"/>
               <a:t>csv</a:t>
             </a:r>
-            <a:endParaRPr lang="en-US" dirty="0"/>
+            <a:endParaRPr lang="en-US" sz="1000" dirty="0"/>
           </a:p>
         </p:txBody>
       </p:sp>
@@ -4826,14 +4834,14 @@
           <a:p>
             <a:pPr algn="ctr"/>
             <a:r>
-              <a:rPr lang="en-US" dirty="0" smtClean="0">
+              <a:rPr lang="en-US" sz="1000" dirty="0" smtClean="0">
                 <a:solidFill>
                   <a:schemeClr val="tx1"/>
                 </a:solidFill>
               </a:rPr>
               <a:t>Roll up</a:t>
             </a:r>
-            <a:endParaRPr lang="en-US" dirty="0">
+            <a:endParaRPr lang="en-US" sz="1000" dirty="0">
               <a:solidFill>
                 <a:schemeClr val="tx1"/>
               </a:solidFill>
@@ -4852,8 +4860,8 @@
         </p:nvCxnSpPr>
         <p:spPr>
           <a:xfrm flipH="1">
-            <a:off x="7915122" y="6096000"/>
-            <a:ext cx="9678" cy="392668"/>
+            <a:off x="7623023" y="6096000"/>
+            <a:ext cx="301777" cy="392668"/>
           </a:xfrm>
           <a:prstGeom prst="straightConnector1">
             <a:avLst/>
@@ -4886,7 +4894,7 @@
         <p:spPr>
           <a:xfrm>
             <a:off x="7162800" y="6488668"/>
-            <a:ext cx="1504643" cy="369332"/>
+            <a:ext cx="920445" cy="246221"/>
           </a:xfrm>
           <a:prstGeom prst="rect">
             <a:avLst/>
@@ -4900,40 +4908,190 @@
           <a:lstStyle/>
           <a:p>
             <a:r>
-              <a:rPr lang="en-US" dirty="0" smtClean="0"/>
+              <a:rPr lang="en-US" sz="1000" dirty="0" smtClean="0"/>
               <a:t>Output to .</a:t>
             </a:r>
             <a:r>
-              <a:rPr lang="en-US" dirty="0" err="1" smtClean="0"/>
+              <a:rPr lang="en-US" sz="1000" dirty="0" err="1" smtClean="0"/>
               <a:t>csv</a:t>
             </a:r>
-            <a:endParaRPr lang="en-US" dirty="0"/>
-          </a:p>
-        </p:txBody>
-      </p:sp>
-      <p:sp>
-        <p:nvSpPr>
-          <p:cNvPr id="35" name="Rectangle 34"/>
+            <a:endParaRPr lang="en-US" sz="1000" dirty="0"/>
+          </a:p>
+        </p:txBody>
+      </p:sp>
+      <p:sp>
+        <p:nvSpPr>
+          <p:cNvPr id="55" name="Rectangle 54"/>
           <p:cNvSpPr/>
           <p:nvPr/>
         </p:nvSpPr>
         <p:spPr>
           <a:xfrm>
-            <a:off x="6858000" y="1828800"/>
-            <a:ext cx="1600200" cy="990600"/>
+            <a:off x="3124200" y="533400"/>
+            <a:ext cx="762000" cy="609600"/>
           </a:xfrm>
           <a:prstGeom prst="rect">
             <a:avLst/>
           </a:prstGeom>
-          <a:solidFill>
-            <a:schemeClr val="bg1"/>
-          </a:solidFill>
+        </p:spPr>
+        <p:style>
+          <a:lnRef idx="2">
+            <a:schemeClr val="accent6"/>
+          </a:lnRef>
+          <a:fillRef idx="1">
+            <a:schemeClr val="lt1"/>
+          </a:fillRef>
+          <a:effectRef idx="0">
+            <a:schemeClr val="accent6"/>
+          </a:effectRef>
+          <a:fontRef idx="minor">
+            <a:schemeClr val="dk1"/>
+          </a:fontRef>
+        </p:style>
+        <p:txBody>
+          <a:bodyPr rtlCol="0" anchor="ctr"/>
+          <a:lstStyle/>
+          <a:p>
+            <a:pPr algn="ctr"/>
+            <a:r>
+              <a:rPr lang="en-US" sz="1000" dirty="0" smtClean="0"/>
+              <a:t>Chemical specific totals</a:t>
+            </a:r>
+            <a:endParaRPr lang="en-US" sz="1000" dirty="0"/>
+          </a:p>
+        </p:txBody>
+      </p:sp>
+      <p:cxnSp>
+        <p:nvCxnSpPr>
+          <p:cNvPr id="56" name="Straight Arrow Connector 55"/>
+          <p:cNvCxnSpPr>
+            <a:stCxn id="4" idx="6"/>
+            <a:endCxn id="55" idx="1"/>
+          </p:cNvCxnSpPr>
+          <p:nvPr/>
+        </p:nvCxnSpPr>
+        <p:spPr>
+          <a:xfrm>
+            <a:off x="2819400" y="762000"/>
+            <a:ext cx="304800" cy="76200"/>
+          </a:xfrm>
+          <a:prstGeom prst="straightConnector1">
+            <a:avLst/>
+          </a:prstGeom>
           <a:ln>
-            <a:solidFill>
-              <a:srgbClr val="92D050"/>
-            </a:solidFill>
-            <a:prstDash val="sysDash"/>
+            <a:tailEnd type="arrow"/>
           </a:ln>
+        </p:spPr>
+        <p:style>
+          <a:lnRef idx="1">
+            <a:schemeClr val="accent1"/>
+          </a:lnRef>
+          <a:fillRef idx="0">
+            <a:schemeClr val="accent1"/>
+          </a:fillRef>
+          <a:effectRef idx="0">
+            <a:schemeClr val="accent1"/>
+          </a:effectRef>
+          <a:fontRef idx="minor">
+            <a:schemeClr val="tx1"/>
+          </a:fontRef>
+        </p:style>
+      </p:cxnSp>
+      <p:sp>
+        <p:nvSpPr>
+          <p:cNvPr id="59" name="TextBox 58"/>
+          <p:cNvSpPr txBox="1"/>
+          <p:nvPr/>
+        </p:nvSpPr>
+        <p:spPr>
+          <a:xfrm>
+            <a:off x="2971800" y="1143000"/>
+            <a:ext cx="1119217" cy="338554"/>
+          </a:xfrm>
+          <a:prstGeom prst="rect">
+            <a:avLst/>
+          </a:prstGeom>
+          <a:noFill/>
+        </p:spPr>
+        <p:txBody>
+          <a:bodyPr wrap="none" rtlCol="0">
+            <a:spAutoFit/>
+          </a:bodyPr>
+          <a:lstStyle/>
+          <a:p>
+            <a:r>
+              <a:rPr lang="en-US" sz="800" dirty="0" smtClean="0"/>
+              <a:t>Incl. DDT, </a:t>
+            </a:r>
+            <a:r>
+              <a:rPr lang="en-US" sz="800" dirty="0" err="1" smtClean="0"/>
+              <a:t>Endosulfan</a:t>
+            </a:r>
+            <a:r>
+              <a:rPr lang="en-US" sz="800" dirty="0" smtClean="0"/>
+              <a:t>, </a:t>
+            </a:r>
+          </a:p>
+          <a:p>
+            <a:r>
+              <a:rPr lang="en-US" sz="800" dirty="0" smtClean="0"/>
+              <a:t>Chlordane and PCBs</a:t>
+            </a:r>
+            <a:endParaRPr lang="en-US" sz="800" dirty="0"/>
+          </a:p>
+        </p:txBody>
+      </p:sp>
+      <p:cxnSp>
+        <p:nvCxnSpPr>
+          <p:cNvPr id="67" name="Straight Arrow Connector 66"/>
+          <p:cNvCxnSpPr>
+            <a:stCxn id="55" idx="3"/>
+            <a:endCxn id="68" idx="2"/>
+          </p:cNvCxnSpPr>
+          <p:nvPr/>
+        </p:nvCxnSpPr>
+        <p:spPr>
+          <a:xfrm>
+            <a:off x="3886200" y="838200"/>
+            <a:ext cx="381000" cy="76200"/>
+          </a:xfrm>
+          <a:prstGeom prst="straightConnector1">
+            <a:avLst/>
+          </a:prstGeom>
+          <a:ln>
+            <a:tailEnd type="arrow"/>
+          </a:ln>
+        </p:spPr>
+        <p:style>
+          <a:lnRef idx="1">
+            <a:schemeClr val="accent1"/>
+          </a:lnRef>
+          <a:fillRef idx="0">
+            <a:schemeClr val="accent1"/>
+          </a:fillRef>
+          <a:effectRef idx="0">
+            <a:schemeClr val="accent1"/>
+          </a:effectRef>
+          <a:fontRef idx="minor">
+            <a:schemeClr val="tx1"/>
+          </a:fontRef>
+        </p:style>
+      </p:cxnSp>
+      <p:sp>
+        <p:nvSpPr>
+          <p:cNvPr id="68" name="Oval 67"/>
+          <p:cNvSpPr/>
+          <p:nvPr/>
+        </p:nvSpPr>
+        <p:spPr>
+          <a:xfrm>
+            <a:off x="4267200" y="609600"/>
+            <a:ext cx="838200" cy="609600"/>
+          </a:xfrm>
+          <a:prstGeom prst="ellipse">
+            <a:avLst/>
+          </a:prstGeom>
+          <a:noFill/>
         </p:spPr>
         <p:style>
           <a:lnRef idx="2">
@@ -4957,14 +5115,14 @@
           <a:p>
             <a:pPr algn="ctr"/>
             <a:r>
-              <a:rPr lang="en-US" dirty="0" smtClean="0">
+              <a:rPr lang="en-US" sz="1000" dirty="0" smtClean="0">
                 <a:solidFill>
                   <a:schemeClr val="tx1"/>
                 </a:solidFill>
               </a:rPr>
-              <a:t>Saltwater calculations</a:t>
-            </a:r>
-            <a:endParaRPr lang="en-US" dirty="0">
+              <a:t>Data without Void</a:t>
+            </a:r>
+            <a:endParaRPr lang="en-US" sz="1000" dirty="0">
               <a:solidFill>
                 <a:schemeClr val="tx1"/>
               </a:solidFill>
@@ -4974,143 +5132,34 @@
       </p:sp>
       <p:sp>
         <p:nvSpPr>
-          <p:cNvPr id="36" name="Oval 35"/>
-          <p:cNvSpPr/>
+          <p:cNvPr id="89" name="TextBox 88"/>
+          <p:cNvSpPr txBox="1"/>
           <p:nvPr/>
         </p:nvSpPr>
         <p:spPr>
           <a:xfrm>
-            <a:off x="7239000" y="838200"/>
-            <a:ext cx="1676400" cy="762000"/>
-          </a:xfrm>
-          <a:prstGeom prst="ellipse">
+            <a:off x="0" y="6488668"/>
+            <a:ext cx="4861780" cy="276999"/>
+          </a:xfrm>
+          <a:prstGeom prst="rect">
             <a:avLst/>
           </a:prstGeom>
-          <a:solidFill>
-            <a:schemeClr val="bg1"/>
-          </a:solidFill>
-          <a:ln>
-            <a:solidFill>
-              <a:srgbClr val="92D050"/>
-            </a:solidFill>
-            <a:prstDash val="sysDash"/>
-          </a:ln>
-        </p:spPr>
-        <p:style>
-          <a:lnRef idx="2">
-            <a:schemeClr val="accent1">
-              <a:shade val="50000"/>
-            </a:schemeClr>
-          </a:lnRef>
-          <a:fillRef idx="1">
-            <a:schemeClr val="accent1"/>
-          </a:fillRef>
-          <a:effectRef idx="0">
-            <a:schemeClr val="accent1"/>
-          </a:effectRef>
-          <a:fontRef idx="minor">
-            <a:schemeClr val="lt1"/>
-          </a:fontRef>
-        </p:style>
-        <p:txBody>
-          <a:bodyPr rtlCol="0" anchor="ctr"/>
-          <a:lstStyle/>
-          <a:p>
-            <a:pPr algn="ctr"/>
-            <a:r>
-              <a:rPr lang="en-US" dirty="0" smtClean="0">
-                <a:solidFill>
-                  <a:schemeClr val="tx1"/>
-                </a:solidFill>
-              </a:rPr>
-              <a:t>Saltwater criteria</a:t>
-            </a:r>
-            <a:endParaRPr lang="en-US" dirty="0">
-              <a:solidFill>
-                <a:schemeClr val="tx1"/>
-              </a:solidFill>
-            </a:endParaRPr>
-          </a:p>
-        </p:txBody>
-      </p:sp>
-      <p:cxnSp>
-        <p:nvCxnSpPr>
-          <p:cNvPr id="38" name="Straight Arrow Connector 37"/>
-          <p:cNvCxnSpPr>
-            <a:stCxn id="36" idx="4"/>
-            <a:endCxn id="35" idx="0"/>
-          </p:cNvCxnSpPr>
-          <p:nvPr/>
-        </p:nvCxnSpPr>
-        <p:spPr>
-          <a:xfrm flipH="1">
-            <a:off x="7658100" y="1600200"/>
-            <a:ext cx="419100" cy="228600"/>
-          </a:xfrm>
-          <a:prstGeom prst="straightConnector1">
-            <a:avLst/>
-          </a:prstGeom>
-          <a:ln>
-            <a:solidFill>
-              <a:srgbClr val="92D050"/>
-            </a:solidFill>
-            <a:tailEnd type="arrow"/>
-          </a:ln>
-        </p:spPr>
-        <p:style>
-          <a:lnRef idx="1">
-            <a:schemeClr val="accent1"/>
-          </a:lnRef>
-          <a:fillRef idx="0">
-            <a:schemeClr val="accent1"/>
-          </a:fillRef>
-          <a:effectRef idx="0">
-            <a:schemeClr val="accent1"/>
-          </a:effectRef>
-          <a:fontRef idx="minor">
-            <a:schemeClr val="tx1"/>
-          </a:fontRef>
-        </p:style>
-      </p:cxnSp>
-      <p:cxnSp>
-        <p:nvCxnSpPr>
-          <p:cNvPr id="41" name="Straight Arrow Connector 40"/>
-          <p:cNvCxnSpPr>
-            <a:stCxn id="35" idx="1"/>
-            <a:endCxn id="43" idx="7"/>
-          </p:cNvCxnSpPr>
-          <p:nvPr/>
-        </p:nvCxnSpPr>
-        <p:spPr>
-          <a:xfrm flipH="1">
-            <a:off x="4575501" y="2324100"/>
-            <a:ext cx="2282499" cy="772366"/>
-          </a:xfrm>
-          <a:prstGeom prst="straightConnector1">
-            <a:avLst/>
-          </a:prstGeom>
-          <a:ln>
-            <a:solidFill>
-              <a:srgbClr val="92D050"/>
-            </a:solidFill>
-            <a:tailEnd type="arrow"/>
-          </a:ln>
-        </p:spPr>
-        <p:style>
-          <a:lnRef idx="1">
-            <a:schemeClr val="accent1"/>
-          </a:lnRef>
-          <a:fillRef idx="0">
-            <a:schemeClr val="accent1"/>
-          </a:fillRef>
-          <a:effectRef idx="0">
-            <a:schemeClr val="accent1"/>
-          </a:effectRef>
-          <a:fontRef idx="minor">
-            <a:schemeClr val="tx1"/>
-          </a:fontRef>
-        </p:style>
-      </p:cxnSp>
+          <a:noFill/>
+        </p:spPr>
+        <p:txBody>
+          <a:bodyPr wrap="none" rtlCol="0">
+            <a:spAutoFit/>
+          </a:bodyPr>
+          <a:lstStyle/>
+          <a:p>
+            <a:r>
+              <a:rPr lang="en-US" sz="1200" dirty="0" smtClean="0"/>
+              <a:t>Note: Saltwater criteria are handled through Station Matrix determinations</a:t>
+            </a:r>
+            <a:endParaRPr lang="en-US" sz="1200" dirty="0"/>
+          </a:p>
+        </p:txBody>
+      </p:sp>
     </p:spTree>
   </p:cSld>
   <p:clrMapOvr>
